--- a/poster_beffa.pptx
+++ b/poster_beffa.pptx
@@ -2626,7 +2626,7 @@
               </a14:hiddenLine>
             </a:ext>
             <a:ext uri="{FAA26D3D-D897-4be2-8F04-BA451C77F1D7}">
-              <ma14:placeholderFlag xmlns:ma14="http://schemas.microsoft.com/office/mac/drawingml/2011/main" xmlns="" val="1"/>
+              <ma14:placeholderFlag xmlns="" xmlns:ma14="http://schemas.microsoft.com/office/mac/drawingml/2011/main" val="1"/>
             </a:ext>
           </a:extLst>
         </p:spPr>
@@ -2804,7 +2804,7 @@
               </a14:hiddenLine>
             </a:ext>
             <a:ext uri="{FAA26D3D-D897-4be2-8F04-BA451C77F1D7}">
-              <ma14:placeholderFlag xmlns:ma14="http://schemas.microsoft.com/office/mac/drawingml/2011/main" xmlns="" val="1"/>
+              <ma14:placeholderFlag xmlns="" xmlns:ma14="http://schemas.microsoft.com/office/mac/drawingml/2011/main" val="1"/>
             </a:ext>
           </a:extLst>
         </p:spPr>
@@ -2982,7 +2982,7 @@
               </a14:hiddenLine>
             </a:ext>
             <a:ext uri="{FAA26D3D-D897-4be2-8F04-BA451C77F1D7}">
-              <ma14:placeholderFlag xmlns:ma14="http://schemas.microsoft.com/office/mac/drawingml/2011/main" xmlns="" val="1"/>
+              <ma14:placeholderFlag xmlns="" xmlns:ma14="http://schemas.microsoft.com/office/mac/drawingml/2011/main" val="1"/>
             </a:ext>
           </a:extLst>
         </p:spPr>
@@ -3100,7 +3100,7 @@
               </a14:hiddenLine>
             </a:ext>
             <a:ext uri="{FAA26D3D-D897-4be2-8F04-BA451C77F1D7}">
-              <ma14:placeholderFlag xmlns:ma14="http://schemas.microsoft.com/office/mac/drawingml/2011/main" xmlns="" val="1"/>
+              <ma14:placeholderFlag xmlns="" xmlns:ma14="http://schemas.microsoft.com/office/mac/drawingml/2011/main" val="1"/>
             </a:ext>
           </a:extLst>
         </p:spPr>
@@ -3158,7 +3158,7 @@
               </a14:hiddenLine>
             </a:ext>
             <a:ext uri="{FAA26D3D-D897-4be2-8F04-BA451C77F1D7}">
-              <ma14:placeholderFlag xmlns:ma14="http://schemas.microsoft.com/office/mac/drawingml/2011/main" xmlns="" val="1"/>
+              <ma14:placeholderFlag xmlns="" xmlns:ma14="http://schemas.microsoft.com/office/mac/drawingml/2011/main" val="1"/>
             </a:ext>
           </a:extLst>
         </p:spPr>
@@ -3216,7 +3216,7 @@
               </a14:hiddenLine>
             </a:ext>
             <a:ext uri="{FAA26D3D-D897-4be2-8F04-BA451C77F1D7}">
-              <ma14:placeholderFlag xmlns:ma14="http://schemas.microsoft.com/office/mac/drawingml/2011/main" xmlns="" val="1"/>
+              <ma14:placeholderFlag xmlns="" xmlns:ma14="http://schemas.microsoft.com/office/mac/drawingml/2011/main" val="1"/>
             </a:ext>
           </a:extLst>
         </p:spPr>
@@ -3434,7 +3434,7 @@
               </a14:hiddenLine>
             </a:ext>
             <a:ext uri="{FAA26D3D-D897-4be2-8F04-BA451C77F1D7}">
-              <ma14:placeholderFlag xmlns:ma14="http://schemas.microsoft.com/office/mac/drawingml/2011/main" xmlns="" val="1"/>
+              <ma14:placeholderFlag xmlns="" xmlns:ma14="http://schemas.microsoft.com/office/mac/drawingml/2011/main" val="1"/>
             </a:ext>
           </a:extLst>
         </p:spPr>
@@ -3552,7 +3552,7 @@
               </a14:hiddenLine>
             </a:ext>
             <a:ext uri="{FAA26D3D-D897-4be2-8F04-BA451C77F1D7}">
-              <ma14:placeholderFlag xmlns:ma14="http://schemas.microsoft.com/office/mac/drawingml/2011/main" xmlns="" val="1"/>
+              <ma14:placeholderFlag xmlns="" xmlns:ma14="http://schemas.microsoft.com/office/mac/drawingml/2011/main" val="1"/>
             </a:ext>
           </a:extLst>
         </p:spPr>
@@ -3712,7 +3712,7 @@
         <p:spPr>
           <a:xfrm>
             <a:off x="10004425" y="15654363"/>
-            <a:ext cx="4557486" cy="2923877"/>
+            <a:ext cx="4557486" cy="4031873"/>
           </a:xfrm>
           <a:prstGeom prst="rect">
             <a:avLst/>
@@ -3751,7 +3751,7 @@
             <a:pPr algn="just"/>
             <a:r>
               <a:rPr lang="it-CH" sz="1200" dirty="0"/>
-              <a:t>Il codice viene correttamente generato e, in caso di rigenerazione, sostituisce automaticamente i metodi già presenti.</a:t>
+              <a:t>Il codice viene correttamente generato e, in caso di rigenerazione, sostituisce automaticamente i metodi già presenti, aggiungendo, se necessario, gli import richiesti.</a:t>
             </a:r>
           </a:p>
           <a:p>
@@ -3762,15 +3762,79 @@
             <a:pPr algn="just"/>
             <a:r>
               <a:rPr lang="it-CH" sz="1200" dirty="0"/>
-              <a:t>È stata inoltre aggiunta una parte di </a:t>
-            </a:r>
-            <a:r>
-              <a:rPr lang="it-CH" sz="1200"/>
-              <a:t>gestione del </a:t>
+              <a:t>Sono stati aggiunti degli </a:t>
+            </a:r>
+            <a:r>
+              <a:rPr lang="it-CH" sz="1200" dirty="0" err="1"/>
+              <a:t>snippet</a:t>
             </a:r>
             <a:r>
               <a:rPr lang="it-CH" sz="1200" dirty="0"/>
-              <a:t>Java Development Kit (JDK) per rendere l’estensione compatibile con le diverse possibili versioni di java.</a:t>
+              <a:t> di codice che velocizzano le operazioni di aggiunta delle dipendenze Nerd4J per  gli strumenti di gestione dei pacchetti </a:t>
+            </a:r>
+            <a:r>
+              <a:rPr lang="it-CH" sz="1200" i="1" dirty="0"/>
+              <a:t>Apache </a:t>
+            </a:r>
+            <a:r>
+              <a:rPr lang="it-CH" sz="1200" i="1" dirty="0" err="1"/>
+              <a:t>Maven</a:t>
+            </a:r>
+            <a:r>
+              <a:rPr lang="it-CH" sz="1200" i="1" dirty="0"/>
+              <a:t>, Apache </a:t>
+            </a:r>
+            <a:r>
+              <a:rPr lang="it-CH" sz="1200" i="1" dirty="0" err="1"/>
+              <a:t>Buildr</a:t>
+            </a:r>
+            <a:r>
+              <a:rPr lang="it-CH" sz="1200" i="1" dirty="0"/>
+              <a:t>, Apache Ant, Groovy </a:t>
+            </a:r>
+            <a:r>
+              <a:rPr lang="it-CH" sz="1200" i="1" dirty="0" err="1"/>
+              <a:t>Grape</a:t>
+            </a:r>
+            <a:r>
+              <a:rPr lang="it-CH" sz="1200" i="1" dirty="0"/>
+              <a:t>, </a:t>
+            </a:r>
+            <a:r>
+              <a:rPr lang="it-CH" sz="1200" i="1" dirty="0" err="1"/>
+              <a:t>Grails</a:t>
+            </a:r>
+            <a:r>
+              <a:rPr lang="it-CH" sz="1200" i="1" dirty="0"/>
+              <a:t>, </a:t>
+            </a:r>
+            <a:r>
+              <a:rPr lang="it-CH" sz="1200" i="1" dirty="0" err="1"/>
+              <a:t>Leiningen</a:t>
+            </a:r>
+            <a:r>
+              <a:rPr lang="it-CH" sz="1200" i="1" dirty="0"/>
+              <a:t> </a:t>
+            </a:r>
+            <a:r>
+              <a:rPr lang="it-CH" sz="1200" dirty="0"/>
+              <a:t>e </a:t>
+            </a:r>
+            <a:r>
+              <a:rPr lang="it-CH" sz="1200" i="1" dirty="0"/>
+              <a:t>SBT.</a:t>
+            </a:r>
+            <a:endParaRPr lang="it-CH" sz="1200" dirty="0"/>
+          </a:p>
+          <a:p>
+            <a:pPr algn="just"/>
+            <a:endParaRPr lang="it-CH" sz="1200" dirty="0"/>
+          </a:p>
+          <a:p>
+            <a:pPr algn="just"/>
+            <a:r>
+              <a:rPr lang="it-CH" sz="1200" dirty="0"/>
+              <a:t>È stata inoltre aggiunta una parte di gestione del Java Development Kit (JDK) per rendere l’estensione compatibile con le diverse possibili versioni di java.</a:t>
             </a:r>
           </a:p>
           <a:p>

--- a/poster_beffa.pptx
+++ b/poster_beffa.pptx
@@ -273,7 +273,7 @@
               <a:pPr>
                 <a:defRPr/>
               </a:pPr>
-              <a:t>25.08.2023</a:t>
+              <a:t>01.09.2023</a:t>
             </a:fld>
             <a:endParaRPr lang="it-IT"/>
           </a:p>
@@ -497,7 +497,7 @@
               <a:pPr>
                 <a:defRPr/>
               </a:pPr>
-              <a:t>25.08.2023</a:t>
+              <a:t>01.09.2023</a:t>
             </a:fld>
             <a:endParaRPr lang="it-IT"/>
           </a:p>
@@ -2626,7 +2626,7 @@
               </a14:hiddenLine>
             </a:ext>
             <a:ext uri="{FAA26D3D-D897-4be2-8F04-BA451C77F1D7}">
-              <ma14:placeholderFlag xmlns="" xmlns:ma14="http://schemas.microsoft.com/office/mac/drawingml/2011/main" val="1"/>
+              <ma14:placeholderFlag xmlns:ma14="http://schemas.microsoft.com/office/mac/drawingml/2011/main" xmlns="" val="1"/>
             </a:ext>
           </a:extLst>
         </p:spPr>
@@ -2804,7 +2804,7 @@
               </a14:hiddenLine>
             </a:ext>
             <a:ext uri="{FAA26D3D-D897-4be2-8F04-BA451C77F1D7}">
-              <ma14:placeholderFlag xmlns="" xmlns:ma14="http://schemas.microsoft.com/office/mac/drawingml/2011/main" val="1"/>
+              <ma14:placeholderFlag xmlns:ma14="http://schemas.microsoft.com/office/mac/drawingml/2011/main" xmlns="" val="1"/>
             </a:ext>
           </a:extLst>
         </p:spPr>
@@ -2982,7 +2982,7 @@
               </a14:hiddenLine>
             </a:ext>
             <a:ext uri="{FAA26D3D-D897-4be2-8F04-BA451C77F1D7}">
-              <ma14:placeholderFlag xmlns="" xmlns:ma14="http://schemas.microsoft.com/office/mac/drawingml/2011/main" val="1"/>
+              <ma14:placeholderFlag xmlns:ma14="http://schemas.microsoft.com/office/mac/drawingml/2011/main" xmlns="" val="1"/>
             </a:ext>
           </a:extLst>
         </p:spPr>
@@ -3100,7 +3100,7 @@
               </a14:hiddenLine>
             </a:ext>
             <a:ext uri="{FAA26D3D-D897-4be2-8F04-BA451C77F1D7}">
-              <ma14:placeholderFlag xmlns="" xmlns:ma14="http://schemas.microsoft.com/office/mac/drawingml/2011/main" val="1"/>
+              <ma14:placeholderFlag xmlns:ma14="http://schemas.microsoft.com/office/mac/drawingml/2011/main" xmlns="" val="1"/>
             </a:ext>
           </a:extLst>
         </p:spPr>
@@ -3158,7 +3158,7 @@
               </a14:hiddenLine>
             </a:ext>
             <a:ext uri="{FAA26D3D-D897-4be2-8F04-BA451C77F1D7}">
-              <ma14:placeholderFlag xmlns="" xmlns:ma14="http://schemas.microsoft.com/office/mac/drawingml/2011/main" val="1"/>
+              <ma14:placeholderFlag xmlns:ma14="http://schemas.microsoft.com/office/mac/drawingml/2011/main" xmlns="" val="1"/>
             </a:ext>
           </a:extLst>
         </p:spPr>
@@ -3216,7 +3216,7 @@
               </a14:hiddenLine>
             </a:ext>
             <a:ext uri="{FAA26D3D-D897-4be2-8F04-BA451C77F1D7}">
-              <ma14:placeholderFlag xmlns="" xmlns:ma14="http://schemas.microsoft.com/office/mac/drawingml/2011/main" val="1"/>
+              <ma14:placeholderFlag xmlns:ma14="http://schemas.microsoft.com/office/mac/drawingml/2011/main" xmlns="" val="1"/>
             </a:ext>
           </a:extLst>
         </p:spPr>
@@ -3434,7 +3434,7 @@
               </a14:hiddenLine>
             </a:ext>
             <a:ext uri="{FAA26D3D-D897-4be2-8F04-BA451C77F1D7}">
-              <ma14:placeholderFlag xmlns="" xmlns:ma14="http://schemas.microsoft.com/office/mac/drawingml/2011/main" val="1"/>
+              <ma14:placeholderFlag xmlns:ma14="http://schemas.microsoft.com/office/mac/drawingml/2011/main" xmlns="" val="1"/>
             </a:ext>
           </a:extLst>
         </p:spPr>
@@ -3552,7 +3552,7 @@
               </a14:hiddenLine>
             </a:ext>
             <a:ext uri="{FAA26D3D-D897-4be2-8F04-BA451C77F1D7}">
-              <ma14:placeholderFlag xmlns="" xmlns:ma14="http://schemas.microsoft.com/office/mac/drawingml/2011/main" val="1"/>
+              <ma14:placeholderFlag xmlns:ma14="http://schemas.microsoft.com/office/mac/drawingml/2011/main" xmlns="" val="1"/>
             </a:ext>
           </a:extLst>
         </p:spPr>
@@ -3883,15 +3883,7 @@
             <a:pPr algn="just"/>
             <a:r>
               <a:rPr lang="it-CH" sz="1200" dirty="0"/>
-              <a:t>Negli </a:t>
-            </a:r>
-            <a:r>
-              <a:rPr lang="it-CH" sz="1200"/>
-              <a:t>ultimi anni, </a:t>
-            </a:r>
-            <a:r>
-              <a:rPr lang="it-CH" sz="1200" dirty="0"/>
-              <a:t>la «programmazione </a:t>
+              <a:t>Negli ultimi anni, la «programmazione </a:t>
             </a:r>
             <a:r>
               <a:rPr lang="it-CH" sz="1200" dirty="0" err="1"/>
@@ -3899,7 +3891,7 @@
             </a:r>
             <a:r>
               <a:rPr lang="it-CH" sz="1200" dirty="0"/>
-              <a:t>» è diventata sempre più popolare tra gli sviluppatori. Questo approccio consente di scrivere codice in modo più chiaro e semplice, grazie all'utilizzo di sequenze di istruzioni concatenate e facilmente leggibili. Nerd4J è un framework che utilizza l'approccio della programmazione </a:t>
+              <a:t>» è diventata sempre più popolare tra gli sviluppatori. Questo approccio consente di scrivere codice in modo più chiaro e semplice, grazie all'utilizzo di sequenze di istruzioni concatenate e facilmente leggibili. Nerd4J è un framework che utilizza, in parte, l'approccio della programmazione </a:t>
             </a:r>
             <a:r>
               <a:rPr lang="it-CH" sz="1200" dirty="0" err="1"/>
@@ -3907,7 +3899,15 @@
             </a:r>
             <a:r>
               <a:rPr lang="it-CH" sz="1200" dirty="0"/>
-              <a:t>, offrendo agli sviluppatori la possibilità di costruire applicazioni ad alte prestazioni in Java attraverso l'uso di codice </a:t>
+              <a:t>, offrendo agli sviluppatori la possibilità di costruire applicazioni ad alte prestazioni in </a:t>
+            </a:r>
+            <a:r>
+              <a:rPr lang="it-CH" sz="1200"/>
+              <a:t>Java anche attraverso </a:t>
+            </a:r>
+            <a:r>
+              <a:rPr lang="it-CH" sz="1200" dirty="0"/>
+              <a:t>l'uso di codice </a:t>
             </a:r>
             <a:r>
               <a:rPr lang="it-CH" sz="1200" dirty="0" err="1"/>
